--- a/Documents/Live From Antlia Presentation.pptx
+++ b/Documents/Live From Antlia Presentation.pptx
@@ -7,14 +7,15 @@
   <p:sldIdLst>
     <p:sldId id="256" r:id="rId2"/>
     <p:sldId id="257" r:id="rId3"/>
-    <p:sldId id="258" r:id="rId4"/>
-    <p:sldId id="259" r:id="rId5"/>
-    <p:sldId id="260" r:id="rId6"/>
-    <p:sldId id="261" r:id="rId7"/>
-    <p:sldId id="262" r:id="rId8"/>
-    <p:sldId id="263" r:id="rId9"/>
-    <p:sldId id="264" r:id="rId10"/>
-    <p:sldId id="265" r:id="rId11"/>
+    <p:sldId id="266" r:id="rId4"/>
+    <p:sldId id="258" r:id="rId5"/>
+    <p:sldId id="259" r:id="rId6"/>
+    <p:sldId id="260" r:id="rId7"/>
+    <p:sldId id="261" r:id="rId8"/>
+    <p:sldId id="262" r:id="rId9"/>
+    <p:sldId id="263" r:id="rId10"/>
+    <p:sldId id="264" r:id="rId11"/>
+    <p:sldId id="265" r:id="rId12"/>
   </p:sldIdLst>
   <p:sldSz cx="12192000" cy="6858000"/>
   <p:notesSz cx="6858000" cy="9144000"/>
@@ -113,6 +114,11 @@
       </a:defRPr>
     </a:lvl9pPr>
   </p:defaultTextStyle>
+  <p:extLst>
+    <p:ext uri="{EFAFB233-063F-42B5-8137-9DF3F51BA10A}">
+      <p15:sldGuideLst xmlns:p15="http://schemas.microsoft.com/office/powerpoint/2012/main"/>
+    </p:ext>
+  </p:extLst>
 </p:presentation>
 </file>
 
@@ -3890,6 +3896,78 @@
             <p:ph type="title"/>
           </p:nvPr>
         </p:nvSpPr>
+        <p:spPr/>
+        <p:txBody>
+          <a:bodyPr/>
+          <a:lstStyle/>
+          <a:p>
+            <a:r>
+              <a:rPr lang="en-GB" dirty="0" smtClean="0"/>
+              <a:t>What We Learned</a:t>
+            </a:r>
+            <a:endParaRPr lang="en-GB" dirty="0"/>
+          </a:p>
+        </p:txBody>
+      </p:sp>
+      <p:sp>
+        <p:nvSpPr>
+          <p:cNvPr id="3" name="Content Placeholder 2"/>
+          <p:cNvSpPr>
+            <a:spLocks noGrp="1"/>
+          </p:cNvSpPr>
+          <p:nvPr>
+            <p:ph idx="1"/>
+          </p:nvPr>
+        </p:nvSpPr>
+        <p:spPr/>
+        <p:txBody>
+          <a:bodyPr/>
+          <a:lstStyle/>
+          <a:p>
+            <a:endParaRPr lang="en-GB"/>
+          </a:p>
+        </p:txBody>
+      </p:sp>
+    </p:spTree>
+    <p:extLst>
+      <p:ext uri="{BB962C8B-B14F-4D97-AF65-F5344CB8AC3E}">
+        <p14:creationId xmlns:p14="http://schemas.microsoft.com/office/powerpoint/2010/main" val="2221166208"/>
+      </p:ext>
+    </p:extLst>
+  </p:cSld>
+  <p:clrMapOvr>
+    <a:masterClrMapping/>
+  </p:clrMapOvr>
+</p:sld>
+</file>
+
+<file path=ppt/slides/slide11.xml><?xml version="1.0" encoding="utf-8"?>
+<p:sld xmlns:a="http://schemas.openxmlformats.org/drawingml/2006/main" xmlns:r="http://schemas.openxmlformats.org/officeDocument/2006/relationships" xmlns:p="http://schemas.openxmlformats.org/presentationml/2006/main">
+  <p:cSld>
+    <p:spTree>
+      <p:nvGrpSpPr>
+        <p:cNvPr id="1" name=""/>
+        <p:cNvGrpSpPr/>
+        <p:nvPr/>
+      </p:nvGrpSpPr>
+      <p:grpSpPr>
+        <a:xfrm>
+          <a:off x="0" y="0"/>
+          <a:ext cx="0" cy="0"/>
+          <a:chOff x="0" y="0"/>
+          <a:chExt cx="0" cy="0"/>
+        </a:xfrm>
+      </p:grpSpPr>
+      <p:sp>
+        <p:nvSpPr>
+          <p:cNvPr id="2" name="Title 1"/>
+          <p:cNvSpPr>
+            <a:spLocks noGrp="1"/>
+          </p:cNvSpPr>
+          <p:nvPr>
+            <p:ph type="title"/>
+          </p:nvPr>
+        </p:nvSpPr>
         <p:spPr>
           <a:xfrm>
             <a:off x="1654233" y="2714106"/>
@@ -4061,7 +4139,7 @@
           <a:p>
             <a:r>
               <a:rPr lang="en-GB" dirty="0" smtClean="0"/>
-              <a:t>Why Unity?</a:t>
+              <a:t>Influence and Research</a:t>
             </a:r>
             <a:endParaRPr lang="en-GB" dirty="0"/>
           </a:p>
@@ -4084,26 +4162,14 @@
           </a:bodyPr>
           <a:lstStyle/>
           <a:p>
-            <a:r>
-              <a:rPr lang="en-GB" sz="4400" dirty="0" smtClean="0"/>
-              <a:t>Previous Experience</a:t>
-            </a:r>
-          </a:p>
-          <a:p>
-            <a:r>
-              <a:rPr lang="en-GB" sz="4400" dirty="0" smtClean="0"/>
-              <a:t>Lots of utilities.</a:t>
-            </a:r>
-          </a:p>
-          <a:p>
-            <a:endParaRPr lang="en-GB" sz="4400" dirty="0"/>
+            <a:endParaRPr lang="en-GB" sz="4000"/>
           </a:p>
         </p:txBody>
       </p:sp>
     </p:spTree>
     <p:extLst>
       <p:ext uri="{BB962C8B-B14F-4D97-AF65-F5344CB8AC3E}">
-        <p14:creationId xmlns:p14="http://schemas.microsoft.com/office/powerpoint/2010/main" val="573692081"/>
+        <p14:creationId xmlns:p14="http://schemas.microsoft.com/office/powerpoint/2010/main" val="3830955627"/>
       </p:ext>
     </p:extLst>
   </p:cSld>
@@ -4147,7 +4213,7 @@
           <a:p>
             <a:r>
               <a:rPr lang="en-GB" dirty="0" smtClean="0"/>
-              <a:t>Gameplay and Mechanics</a:t>
+              <a:t>Why Unity?</a:t>
             </a:r>
             <a:endParaRPr lang="en-GB" dirty="0"/>
           </a:p>
@@ -4171,40 +4237,25 @@
           <a:lstStyle/>
           <a:p>
             <a:r>
-              <a:rPr lang="en-GB" sz="4000" dirty="0" smtClean="0"/>
-              <a:t>Turn-based.</a:t>
-            </a:r>
-          </a:p>
-          <a:p>
-            <a:r>
-              <a:rPr lang="en-GB" sz="4000" dirty="0" smtClean="0"/>
-              <a:t>3 Bars : Integrity, Funding and Popularity.</a:t>
-            </a:r>
-          </a:p>
-          <a:p>
-            <a:r>
-              <a:rPr lang="en-GB" sz="4000" dirty="0" smtClean="0"/>
-              <a:t>Conspire Cards.</a:t>
-            </a:r>
-          </a:p>
-          <a:p>
-            <a:r>
-              <a:rPr lang="en-GB" sz="4000" dirty="0" smtClean="0"/>
-              <a:t>Stress Cards.</a:t>
-            </a:r>
-          </a:p>
-          <a:p>
-            <a:r>
-              <a:rPr lang="en-GB" sz="4000" dirty="0" smtClean="0"/>
-              <a:t>Outsmart your opponent to win.</a:t>
-            </a:r>
+              <a:rPr lang="en-GB" sz="4400" dirty="0" smtClean="0"/>
+              <a:t>Previous Experience</a:t>
+            </a:r>
+          </a:p>
+          <a:p>
+            <a:r>
+              <a:rPr lang="en-GB" sz="4400" dirty="0" smtClean="0"/>
+              <a:t>Lots of utilities.</a:t>
+            </a:r>
+          </a:p>
+          <a:p>
+            <a:endParaRPr lang="en-GB" sz="4400" dirty="0"/>
           </a:p>
         </p:txBody>
       </p:sp>
     </p:spTree>
     <p:extLst>
       <p:ext uri="{BB962C8B-B14F-4D97-AF65-F5344CB8AC3E}">
-        <p14:creationId xmlns:p14="http://schemas.microsoft.com/office/powerpoint/2010/main" val="738381355"/>
+        <p14:creationId xmlns:p14="http://schemas.microsoft.com/office/powerpoint/2010/main" val="573692081"/>
       </p:ext>
     </p:extLst>
   </p:cSld>
@@ -4248,7 +4299,7 @@
           <a:p>
             <a:r>
               <a:rPr lang="en-GB" dirty="0" smtClean="0"/>
-              <a:t>Design and Implementation</a:t>
+              <a:t>Gameplay and Mechanics</a:t>
             </a:r>
             <a:endParaRPr lang="en-GB" dirty="0"/>
           </a:p>
@@ -4273,16 +4324,39 @@
           <a:p>
             <a:r>
               <a:rPr lang="en-GB" sz="4000" dirty="0" smtClean="0"/>
-              <a:t>Game Layout</a:t>
-            </a:r>
-            <a:endParaRPr lang="en-GB" sz="4000" dirty="0"/>
+              <a:t>Turn-based.</a:t>
+            </a:r>
+          </a:p>
+          <a:p>
+            <a:r>
+              <a:rPr lang="en-GB" sz="4000" dirty="0" smtClean="0"/>
+              <a:t>3 Bars : Integrity, Funding and Popularity.</a:t>
+            </a:r>
+          </a:p>
+          <a:p>
+            <a:r>
+              <a:rPr lang="en-GB" sz="4000" dirty="0" smtClean="0"/>
+              <a:t>Conspire Cards.</a:t>
+            </a:r>
+          </a:p>
+          <a:p>
+            <a:r>
+              <a:rPr lang="en-GB" sz="4000" dirty="0" smtClean="0"/>
+              <a:t>Stress Cards.</a:t>
+            </a:r>
+          </a:p>
+          <a:p>
+            <a:r>
+              <a:rPr lang="en-GB" sz="4000" dirty="0" smtClean="0"/>
+              <a:t>Outsmart your opponent to win.</a:t>
+            </a:r>
           </a:p>
         </p:txBody>
       </p:sp>
     </p:spTree>
     <p:extLst>
       <p:ext uri="{BB962C8B-B14F-4D97-AF65-F5344CB8AC3E}">
-        <p14:creationId xmlns:p14="http://schemas.microsoft.com/office/powerpoint/2010/main" val="3310060205"/>
+        <p14:creationId xmlns:p14="http://schemas.microsoft.com/office/powerpoint/2010/main" val="738381355"/>
       </p:ext>
     </p:extLst>
   </p:cSld>
@@ -4326,7 +4400,7 @@
           <a:p>
             <a:r>
               <a:rPr lang="en-GB" dirty="0" smtClean="0"/>
-              <a:t>Immersive Qualities and Version Control</a:t>
+              <a:t>Design and Implementation</a:t>
             </a:r>
             <a:endParaRPr lang="en-GB" dirty="0"/>
           </a:p>
@@ -4344,17 +4418,23 @@
         </p:nvSpPr>
         <p:spPr/>
         <p:txBody>
-          <a:bodyPr/>
-          <a:lstStyle/>
-          <a:p>
-            <a:endParaRPr lang="en-GB"/>
+          <a:bodyPr>
+            <a:normAutofit/>
+          </a:bodyPr>
+          <a:lstStyle/>
+          <a:p>
+            <a:r>
+              <a:rPr lang="en-GB" sz="4000" dirty="0" smtClean="0"/>
+              <a:t>Game Layout</a:t>
+            </a:r>
+            <a:endParaRPr lang="en-GB" sz="4000" dirty="0"/>
           </a:p>
         </p:txBody>
       </p:sp>
     </p:spTree>
     <p:extLst>
       <p:ext uri="{BB962C8B-B14F-4D97-AF65-F5344CB8AC3E}">
-        <p14:creationId xmlns:p14="http://schemas.microsoft.com/office/powerpoint/2010/main" val="946196876"/>
+        <p14:creationId xmlns:p14="http://schemas.microsoft.com/office/powerpoint/2010/main" val="3310060205"/>
       </p:ext>
     </p:extLst>
   </p:cSld>
@@ -4398,7 +4478,7 @@
           <a:p>
             <a:r>
               <a:rPr lang="en-GB" dirty="0" smtClean="0"/>
-              <a:t>Game Demo</a:t>
+              <a:t>Immersive Qualities and Version Control</a:t>
             </a:r>
             <a:endParaRPr lang="en-GB" dirty="0"/>
           </a:p>
@@ -4426,7 +4506,7 @@
     </p:spTree>
     <p:extLst>
       <p:ext uri="{BB962C8B-B14F-4D97-AF65-F5344CB8AC3E}">
-        <p14:creationId xmlns:p14="http://schemas.microsoft.com/office/powerpoint/2010/main" val="2545471325"/>
+        <p14:creationId xmlns:p14="http://schemas.microsoft.com/office/powerpoint/2010/main" val="946196876"/>
       </p:ext>
     </p:extLst>
   </p:cSld>
@@ -4470,7 +4550,7 @@
           <a:p>
             <a:r>
               <a:rPr lang="en-GB" dirty="0" smtClean="0"/>
-              <a:t>Contributions to the Project</a:t>
+              <a:t>Game Demo</a:t>
             </a:r>
             <a:endParaRPr lang="en-GB" dirty="0"/>
           </a:p>
@@ -4488,37 +4568,17 @@
         </p:nvSpPr>
         <p:spPr/>
         <p:txBody>
-          <a:bodyPr>
-            <a:normAutofit/>
-          </a:bodyPr>
-          <a:lstStyle/>
-          <a:p>
-            <a:r>
-              <a:rPr lang="en-GB" sz="4000" dirty="0" smtClean="0"/>
-              <a:t>Bruno : Lead Programmer / Writer</a:t>
-            </a:r>
-          </a:p>
-          <a:p>
-            <a:r>
-              <a:rPr lang="en-GB" sz="4000" dirty="0" smtClean="0"/>
-              <a:t>Michael : Design /Programmer</a:t>
-            </a:r>
-          </a:p>
-          <a:p>
-            <a:r>
-              <a:rPr lang="en-GB" sz="4000" dirty="0" smtClean="0"/>
-              <a:t>TK : Art / Writer </a:t>
-            </a:r>
-          </a:p>
-          <a:p>
-            <a:endParaRPr lang="en-GB" sz="4000" dirty="0"/>
+          <a:bodyPr/>
+          <a:lstStyle/>
+          <a:p>
+            <a:endParaRPr lang="en-GB"/>
           </a:p>
         </p:txBody>
       </p:sp>
     </p:spTree>
     <p:extLst>
       <p:ext uri="{BB962C8B-B14F-4D97-AF65-F5344CB8AC3E}">
-        <p14:creationId xmlns:p14="http://schemas.microsoft.com/office/powerpoint/2010/main" val="215313148"/>
+        <p14:creationId xmlns:p14="http://schemas.microsoft.com/office/powerpoint/2010/main" val="2545471325"/>
       </p:ext>
     </p:extLst>
   </p:cSld>
@@ -4562,7 +4622,7 @@
           <a:p>
             <a:r>
               <a:rPr lang="en-GB" dirty="0" smtClean="0"/>
-              <a:t>What We Learned</a:t>
+              <a:t>Contributions to the Project</a:t>
             </a:r>
             <a:endParaRPr lang="en-GB" dirty="0"/>
           </a:p>
@@ -4580,17 +4640,37 @@
         </p:nvSpPr>
         <p:spPr/>
         <p:txBody>
-          <a:bodyPr/>
-          <a:lstStyle/>
-          <a:p>
-            <a:endParaRPr lang="en-GB"/>
+          <a:bodyPr>
+            <a:normAutofit/>
+          </a:bodyPr>
+          <a:lstStyle/>
+          <a:p>
+            <a:r>
+              <a:rPr lang="en-GB" sz="4000" dirty="0" smtClean="0"/>
+              <a:t>Bruno : Lead Programmer / Writer</a:t>
+            </a:r>
+          </a:p>
+          <a:p>
+            <a:r>
+              <a:rPr lang="en-GB" sz="4000" dirty="0" smtClean="0"/>
+              <a:t>Michael : Design /Programmer</a:t>
+            </a:r>
+          </a:p>
+          <a:p>
+            <a:r>
+              <a:rPr lang="en-GB" sz="4000" dirty="0" smtClean="0"/>
+              <a:t>TK : Art / Writer </a:t>
+            </a:r>
+          </a:p>
+          <a:p>
+            <a:endParaRPr lang="en-GB" sz="4000" dirty="0"/>
           </a:p>
         </p:txBody>
       </p:sp>
     </p:spTree>
     <p:extLst>
       <p:ext uri="{BB962C8B-B14F-4D97-AF65-F5344CB8AC3E}">
-        <p14:creationId xmlns:p14="http://schemas.microsoft.com/office/powerpoint/2010/main" val="2221166208"/>
+        <p14:creationId xmlns:p14="http://schemas.microsoft.com/office/powerpoint/2010/main" val="215313148"/>
       </p:ext>
     </p:extLst>
   </p:cSld>
